--- a/Figures/Figure 1.pptx
+++ b/Figures/Figure 1.pptx
@@ -104,6 +104,11 @@
       </a:defRPr>
     </a:lvl9pPr>
   </p:defaultTextStyle>
+  <p:extLst>
+    <p:ext uri="{EFAFB233-063F-42B5-8137-9DF3F51BA10A}">
+      <p15:sldGuideLst xmlns:p15="http://schemas.microsoft.com/office/powerpoint/2012/main"/>
+    </p:ext>
+  </p:extLst>
 </p:presentation>
 </file>
 
@@ -268,7 +273,7 @@
           <a:p>
             <a:fld id="{E3674E42-DD79-487A-B296-D876FDD6E323}" type="datetimeFigureOut">
               <a:rPr lang="en-GB" smtClean="0"/>
-              <a:t>03/10/2021</a:t>
+              <a:t>12/02/2023</a:t>
             </a:fld>
             <a:endParaRPr lang="en-GB"/>
           </a:p>
@@ -468,7 +473,7 @@
           <a:p>
             <a:fld id="{E3674E42-DD79-487A-B296-D876FDD6E323}" type="datetimeFigureOut">
               <a:rPr lang="en-GB" smtClean="0"/>
-              <a:t>03/10/2021</a:t>
+              <a:t>12/02/2023</a:t>
             </a:fld>
             <a:endParaRPr lang="en-GB"/>
           </a:p>
@@ -678,7 +683,7 @@
           <a:p>
             <a:fld id="{E3674E42-DD79-487A-B296-D876FDD6E323}" type="datetimeFigureOut">
               <a:rPr lang="en-GB" smtClean="0"/>
-              <a:t>03/10/2021</a:t>
+              <a:t>12/02/2023</a:t>
             </a:fld>
             <a:endParaRPr lang="en-GB"/>
           </a:p>
@@ -878,7 +883,7 @@
           <a:p>
             <a:fld id="{E3674E42-DD79-487A-B296-D876FDD6E323}" type="datetimeFigureOut">
               <a:rPr lang="en-GB" smtClean="0"/>
-              <a:t>03/10/2021</a:t>
+              <a:t>12/02/2023</a:t>
             </a:fld>
             <a:endParaRPr lang="en-GB"/>
           </a:p>
@@ -1154,7 +1159,7 @@
           <a:p>
             <a:fld id="{E3674E42-DD79-487A-B296-D876FDD6E323}" type="datetimeFigureOut">
               <a:rPr lang="en-GB" smtClean="0"/>
-              <a:t>03/10/2021</a:t>
+              <a:t>12/02/2023</a:t>
             </a:fld>
             <a:endParaRPr lang="en-GB"/>
           </a:p>
@@ -1422,7 +1427,7 @@
           <a:p>
             <a:fld id="{E3674E42-DD79-487A-B296-D876FDD6E323}" type="datetimeFigureOut">
               <a:rPr lang="en-GB" smtClean="0"/>
-              <a:t>03/10/2021</a:t>
+              <a:t>12/02/2023</a:t>
             </a:fld>
             <a:endParaRPr lang="en-GB"/>
           </a:p>
@@ -1837,7 +1842,7 @@
           <a:p>
             <a:fld id="{E3674E42-DD79-487A-B296-D876FDD6E323}" type="datetimeFigureOut">
               <a:rPr lang="en-GB" smtClean="0"/>
-              <a:t>03/10/2021</a:t>
+              <a:t>12/02/2023</a:t>
             </a:fld>
             <a:endParaRPr lang="en-GB"/>
           </a:p>
@@ -1979,7 +1984,7 @@
           <a:p>
             <a:fld id="{E3674E42-DD79-487A-B296-D876FDD6E323}" type="datetimeFigureOut">
               <a:rPr lang="en-GB" smtClean="0"/>
-              <a:t>03/10/2021</a:t>
+              <a:t>12/02/2023</a:t>
             </a:fld>
             <a:endParaRPr lang="en-GB"/>
           </a:p>
@@ -2092,7 +2097,7 @@
           <a:p>
             <a:fld id="{E3674E42-DD79-487A-B296-D876FDD6E323}" type="datetimeFigureOut">
               <a:rPr lang="en-GB" smtClean="0"/>
-              <a:t>03/10/2021</a:t>
+              <a:t>12/02/2023</a:t>
             </a:fld>
             <a:endParaRPr lang="en-GB"/>
           </a:p>
@@ -2405,7 +2410,7 @@
           <a:p>
             <a:fld id="{E3674E42-DD79-487A-B296-D876FDD6E323}" type="datetimeFigureOut">
               <a:rPr lang="en-GB" smtClean="0"/>
-              <a:t>03/10/2021</a:t>
+              <a:t>12/02/2023</a:t>
             </a:fld>
             <a:endParaRPr lang="en-GB"/>
           </a:p>
@@ -2694,7 +2699,7 @@
           <a:p>
             <a:fld id="{E3674E42-DD79-487A-B296-D876FDD6E323}" type="datetimeFigureOut">
               <a:rPr lang="en-GB" smtClean="0"/>
-              <a:t>03/10/2021</a:t>
+              <a:t>12/02/2023</a:t>
             </a:fld>
             <a:endParaRPr lang="en-GB"/>
           </a:p>
@@ -2937,7 +2942,7 @@
           <a:p>
             <a:fld id="{E3674E42-DD79-487A-B296-D876FDD6E323}" type="datetimeFigureOut">
               <a:rPr lang="en-GB" smtClean="0"/>
-              <a:t>03/10/2021</a:t>
+              <a:t>12/02/2023</a:t>
             </a:fld>
             <a:endParaRPr lang="en-GB"/>
           </a:p>
@@ -4799,8 +4804,8 @@
         </p:nvSpPr>
         <p:spPr>
           <a:xfrm>
-            <a:off x="4930984" y="2961278"/>
-            <a:ext cx="1225296" cy="307777"/>
+            <a:off x="5183534" y="2961278"/>
+            <a:ext cx="1419801" cy="307777"/>
           </a:xfrm>
           <a:prstGeom prst="rect">
             <a:avLst/>
@@ -4819,7 +4824,7 @@
                 <a:latin typeface="Arial" panose="020B0604020202020204" pitchFamily="34" charset="0"/>
                 <a:cs typeface="Arial" panose="020B0604020202020204" pitchFamily="34" charset="0"/>
               </a:rPr>
-              <a:t>wind</a:t>
+              <a:t>gravity + wind</a:t>
             </a:r>
           </a:p>
         </p:txBody>

--- a/Figures/Figure 1.pptx
+++ b/Figures/Figure 1.pptx
@@ -273,7 +273,7 @@
           <a:p>
             <a:fld id="{E3674E42-DD79-487A-B296-D876FDD6E323}" type="datetimeFigureOut">
               <a:rPr lang="en-GB" smtClean="0"/>
-              <a:t>12/02/2023</a:t>
+              <a:t>10/09/2023</a:t>
             </a:fld>
             <a:endParaRPr lang="en-GB"/>
           </a:p>
@@ -473,7 +473,7 @@
           <a:p>
             <a:fld id="{E3674E42-DD79-487A-B296-D876FDD6E323}" type="datetimeFigureOut">
               <a:rPr lang="en-GB" smtClean="0"/>
-              <a:t>12/02/2023</a:t>
+              <a:t>10/09/2023</a:t>
             </a:fld>
             <a:endParaRPr lang="en-GB"/>
           </a:p>
@@ -683,7 +683,7 @@
           <a:p>
             <a:fld id="{E3674E42-DD79-487A-B296-D876FDD6E323}" type="datetimeFigureOut">
               <a:rPr lang="en-GB" smtClean="0"/>
-              <a:t>12/02/2023</a:t>
+              <a:t>10/09/2023</a:t>
             </a:fld>
             <a:endParaRPr lang="en-GB"/>
           </a:p>
@@ -883,7 +883,7 @@
           <a:p>
             <a:fld id="{E3674E42-DD79-487A-B296-D876FDD6E323}" type="datetimeFigureOut">
               <a:rPr lang="en-GB" smtClean="0"/>
-              <a:t>12/02/2023</a:t>
+              <a:t>10/09/2023</a:t>
             </a:fld>
             <a:endParaRPr lang="en-GB"/>
           </a:p>
@@ -1159,7 +1159,7 @@
           <a:p>
             <a:fld id="{E3674E42-DD79-487A-B296-D876FDD6E323}" type="datetimeFigureOut">
               <a:rPr lang="en-GB" smtClean="0"/>
-              <a:t>12/02/2023</a:t>
+              <a:t>10/09/2023</a:t>
             </a:fld>
             <a:endParaRPr lang="en-GB"/>
           </a:p>
@@ -1427,7 +1427,7 @@
           <a:p>
             <a:fld id="{E3674E42-DD79-487A-B296-D876FDD6E323}" type="datetimeFigureOut">
               <a:rPr lang="en-GB" smtClean="0"/>
-              <a:t>12/02/2023</a:t>
+              <a:t>10/09/2023</a:t>
             </a:fld>
             <a:endParaRPr lang="en-GB"/>
           </a:p>
@@ -1842,7 +1842,7 @@
           <a:p>
             <a:fld id="{E3674E42-DD79-487A-B296-D876FDD6E323}" type="datetimeFigureOut">
               <a:rPr lang="en-GB" smtClean="0"/>
-              <a:t>12/02/2023</a:t>
+              <a:t>10/09/2023</a:t>
             </a:fld>
             <a:endParaRPr lang="en-GB"/>
           </a:p>
@@ -1984,7 +1984,7 @@
           <a:p>
             <a:fld id="{E3674E42-DD79-487A-B296-D876FDD6E323}" type="datetimeFigureOut">
               <a:rPr lang="en-GB" smtClean="0"/>
-              <a:t>12/02/2023</a:t>
+              <a:t>10/09/2023</a:t>
             </a:fld>
             <a:endParaRPr lang="en-GB"/>
           </a:p>
@@ -2097,7 +2097,7 @@
           <a:p>
             <a:fld id="{E3674E42-DD79-487A-B296-D876FDD6E323}" type="datetimeFigureOut">
               <a:rPr lang="en-GB" smtClean="0"/>
-              <a:t>12/02/2023</a:t>
+              <a:t>10/09/2023</a:t>
             </a:fld>
             <a:endParaRPr lang="en-GB"/>
           </a:p>
@@ -2410,7 +2410,7 @@
           <a:p>
             <a:fld id="{E3674E42-DD79-487A-B296-D876FDD6E323}" type="datetimeFigureOut">
               <a:rPr lang="en-GB" smtClean="0"/>
-              <a:t>12/02/2023</a:t>
+              <a:t>10/09/2023</a:t>
             </a:fld>
             <a:endParaRPr lang="en-GB"/>
           </a:p>
@@ -2699,7 +2699,7 @@
           <a:p>
             <a:fld id="{E3674E42-DD79-487A-B296-D876FDD6E323}" type="datetimeFigureOut">
               <a:rPr lang="en-GB" smtClean="0"/>
-              <a:t>12/02/2023</a:t>
+              <a:t>10/09/2023</a:t>
             </a:fld>
             <a:endParaRPr lang="en-GB"/>
           </a:p>
@@ -2942,7 +2942,7 @@
           <a:p>
             <a:fld id="{E3674E42-DD79-487A-B296-D876FDD6E323}" type="datetimeFigureOut">
               <a:rPr lang="en-GB" smtClean="0"/>
-              <a:t>12/02/2023</a:t>
+              <a:t>10/09/2023</a:t>
             </a:fld>
             <a:endParaRPr lang="en-GB"/>
           </a:p>
@@ -3550,7 +3550,7 @@
         </p:nvSpPr>
         <p:spPr>
           <a:xfrm>
-            <a:off x="5976280" y="4974513"/>
+            <a:off x="5158937" y="4974513"/>
             <a:ext cx="180000" cy="180000"/>
           </a:xfrm>
           <a:prstGeom prst="ellipse">
@@ -3662,7 +3662,7 @@
         </p:nvSpPr>
         <p:spPr>
           <a:xfrm>
-            <a:off x="7756491" y="4974513"/>
+            <a:off x="6335140" y="4974513"/>
             <a:ext cx="180000" cy="180000"/>
           </a:xfrm>
           <a:prstGeom prst="ellipse">
@@ -3706,10 +3706,10 @@
       </p:sp>
       <p:sp>
         <p:nvSpPr>
-          <p:cNvPr id="11" name="Oval 10">
-            <a:extLst>
-              <a:ext uri="{FF2B5EF4-FFF2-40B4-BE49-F238E27FC236}">
-                <a16:creationId xmlns:a16="http://schemas.microsoft.com/office/drawing/2014/main" id="{15214C2D-8A87-499C-964F-7BC9340A28CF}"/>
+          <p:cNvPr id="12" name="Arc 11">
+            <a:extLst>
+              <a:ext uri="{FF2B5EF4-FFF2-40B4-BE49-F238E27FC236}">
+                <a16:creationId xmlns:a16="http://schemas.microsoft.com/office/drawing/2014/main" id="{CC11559F-081F-4428-A8C7-514D47EAE46E}"/>
               </a:ext>
             </a:extLst>
           </p:cNvPr>
@@ -3718,7 +3718,201 @@
         </p:nvSpPr>
         <p:spPr>
           <a:xfrm>
-            <a:off x="10071447" y="4974513"/>
+            <a:off x="771787" y="2388368"/>
+            <a:ext cx="4486744" cy="4848821"/>
+          </a:xfrm>
+          <a:prstGeom prst="arc">
+            <a:avLst>
+              <a:gd name="adj1" fmla="val 16265723"/>
+              <a:gd name="adj2" fmla="val 0"/>
+            </a:avLst>
+          </a:prstGeom>
+          <a:ln w="12700">
+            <a:solidFill>
+              <a:schemeClr val="bg2">
+                <a:lumMod val="50000"/>
+              </a:schemeClr>
+            </a:solidFill>
+          </a:ln>
+        </p:spPr>
+        <p:style>
+          <a:lnRef idx="1">
+            <a:schemeClr val="accent1"/>
+          </a:lnRef>
+          <a:fillRef idx="0">
+            <a:schemeClr val="accent1"/>
+          </a:fillRef>
+          <a:effectRef idx="0">
+            <a:schemeClr val="accent1"/>
+          </a:effectRef>
+          <a:fontRef idx="minor">
+            <a:schemeClr val="tx1"/>
+          </a:fontRef>
+        </p:style>
+        <p:txBody>
+          <a:bodyPr rtlCol="0" anchor="ctr"/>
+          <a:lstStyle/>
+          <a:p>
+            <a:pPr algn="ctr"/>
+            <a:endParaRPr lang="en-GB"/>
+          </a:p>
+        </p:txBody>
+      </p:sp>
+      <p:sp>
+        <p:nvSpPr>
+          <p:cNvPr id="13" name="Arc 12">
+            <a:extLst>
+              <a:ext uri="{FF2B5EF4-FFF2-40B4-BE49-F238E27FC236}">
+                <a16:creationId xmlns:a16="http://schemas.microsoft.com/office/drawing/2014/main" id="{7D7B1C87-FC57-4573-A29D-B90D9ED155A8}"/>
+              </a:ext>
+            </a:extLst>
+          </p:cNvPr>
+          <p:cNvSpPr/>
+          <p:nvPr/>
+        </p:nvSpPr>
+        <p:spPr>
+          <a:xfrm>
+            <a:off x="-2830287" y="2295646"/>
+            <a:ext cx="11851577" cy="5574792"/>
+          </a:xfrm>
+          <a:prstGeom prst="arc">
+            <a:avLst>
+              <a:gd name="adj1" fmla="val 16156139"/>
+              <a:gd name="adj2" fmla="val 21495579"/>
+            </a:avLst>
+          </a:prstGeom>
+          <a:ln w="12700">
+            <a:solidFill>
+              <a:schemeClr val="bg2">
+                <a:lumMod val="50000"/>
+              </a:schemeClr>
+            </a:solidFill>
+          </a:ln>
+        </p:spPr>
+        <p:style>
+          <a:lnRef idx="1">
+            <a:schemeClr val="accent1"/>
+          </a:lnRef>
+          <a:fillRef idx="0">
+            <a:schemeClr val="accent1"/>
+          </a:fillRef>
+          <a:effectRef idx="0">
+            <a:schemeClr val="accent1"/>
+          </a:effectRef>
+          <a:fontRef idx="minor">
+            <a:schemeClr val="tx1"/>
+          </a:fontRef>
+        </p:style>
+        <p:txBody>
+          <a:bodyPr rtlCol="0" anchor="ctr"/>
+          <a:lstStyle/>
+          <a:p>
+            <a:pPr algn="ctr"/>
+            <a:endParaRPr lang="en-GB"/>
+          </a:p>
+        </p:txBody>
+      </p:sp>
+      <p:cxnSp>
+        <p:nvCxnSpPr>
+          <p:cNvPr id="16" name="Straight Connector 15">
+            <a:extLst>
+              <a:ext uri="{FF2B5EF4-FFF2-40B4-BE49-F238E27FC236}">
+                <a16:creationId xmlns:a16="http://schemas.microsoft.com/office/drawing/2014/main" id="{E76B654F-87E2-461F-A649-9612D4534CBC}"/>
+              </a:ext>
+            </a:extLst>
+          </p:cNvPr>
+          <p:cNvCxnSpPr/>
+          <p:nvPr/>
+        </p:nvCxnSpPr>
+        <p:spPr>
+          <a:xfrm>
+            <a:off x="2046147" y="2918721"/>
+            <a:ext cx="0" cy="1970532"/>
+          </a:xfrm>
+          <a:prstGeom prst="line">
+            <a:avLst/>
+          </a:prstGeom>
+          <a:ln w="15875">
+            <a:solidFill>
+              <a:schemeClr val="bg2">
+                <a:lumMod val="50000"/>
+              </a:schemeClr>
+            </a:solidFill>
+          </a:ln>
+        </p:spPr>
+        <p:style>
+          <a:lnRef idx="1">
+            <a:schemeClr val="accent1"/>
+          </a:lnRef>
+          <a:fillRef idx="0">
+            <a:schemeClr val="accent1"/>
+          </a:fillRef>
+          <a:effectRef idx="0">
+            <a:schemeClr val="accent1"/>
+          </a:effectRef>
+          <a:fontRef idx="minor">
+            <a:schemeClr val="tx1"/>
+          </a:fontRef>
+        </p:style>
+      </p:cxnSp>
+      <p:cxnSp>
+        <p:nvCxnSpPr>
+          <p:cNvPr id="17" name="Straight Connector 16">
+            <a:extLst>
+              <a:ext uri="{FF2B5EF4-FFF2-40B4-BE49-F238E27FC236}">
+                <a16:creationId xmlns:a16="http://schemas.microsoft.com/office/drawing/2014/main" id="{D12F75CB-542F-4F35-9611-56CD305B61A9}"/>
+              </a:ext>
+            </a:extLst>
+          </p:cNvPr>
+          <p:cNvCxnSpPr/>
+          <p:nvPr/>
+        </p:nvCxnSpPr>
+        <p:spPr>
+          <a:xfrm>
+            <a:off x="2689275" y="2918721"/>
+            <a:ext cx="0" cy="1970532"/>
+          </a:xfrm>
+          <a:prstGeom prst="line">
+            <a:avLst/>
+          </a:prstGeom>
+          <a:ln w="15875">
+            <a:solidFill>
+              <a:schemeClr val="bg2">
+                <a:lumMod val="50000"/>
+              </a:schemeClr>
+            </a:solidFill>
+          </a:ln>
+        </p:spPr>
+        <p:style>
+          <a:lnRef idx="1">
+            <a:schemeClr val="accent1"/>
+          </a:lnRef>
+          <a:fillRef idx="0">
+            <a:schemeClr val="accent1"/>
+          </a:fillRef>
+          <a:effectRef idx="0">
+            <a:schemeClr val="accent1"/>
+          </a:effectRef>
+          <a:fontRef idx="minor">
+            <a:schemeClr val="tx1"/>
+          </a:fontRef>
+        </p:style>
+      </p:cxnSp>
+      <p:sp>
+        <p:nvSpPr>
+          <p:cNvPr id="18" name="Oval 17">
+            <a:extLst>
+              <a:ext uri="{FF2B5EF4-FFF2-40B4-BE49-F238E27FC236}">
+                <a16:creationId xmlns:a16="http://schemas.microsoft.com/office/drawing/2014/main" id="{B51FB198-4099-4131-8E02-1159F54B41CF}"/>
+              </a:ext>
+            </a:extLst>
+          </p:cNvPr>
+          <p:cNvSpPr/>
+          <p:nvPr/>
+        </p:nvSpPr>
+        <p:spPr>
+          <a:xfrm>
+            <a:off x="3791882" y="4974513"/>
             <a:ext cx="180000" cy="180000"/>
           </a:xfrm>
           <a:prstGeom prst="ellipse">
@@ -3749,474 +3943,6 @@
           </a:effectRef>
           <a:fontRef idx="minor">
             <a:schemeClr val="lt1"/>
-          </a:fontRef>
-        </p:style>
-        <p:txBody>
-          <a:bodyPr rtlCol="0" anchor="ctr"/>
-          <a:lstStyle/>
-          <a:p>
-            <a:pPr algn="ctr"/>
-            <a:endParaRPr lang="en-GB" dirty="0"/>
-          </a:p>
-        </p:txBody>
-      </p:sp>
-      <p:sp>
-        <p:nvSpPr>
-          <p:cNvPr id="12" name="Arc 11">
-            <a:extLst>
-              <a:ext uri="{FF2B5EF4-FFF2-40B4-BE49-F238E27FC236}">
-                <a16:creationId xmlns:a16="http://schemas.microsoft.com/office/drawing/2014/main" id="{CC11559F-081F-4428-A8C7-514D47EAE46E}"/>
-              </a:ext>
-            </a:extLst>
-          </p:cNvPr>
-          <p:cNvSpPr/>
-          <p:nvPr/>
-        </p:nvSpPr>
-        <p:spPr>
-          <a:xfrm>
-            <a:off x="17619" y="2388369"/>
-            <a:ext cx="6012264" cy="4965192"/>
-          </a:xfrm>
-          <a:prstGeom prst="arc">
-            <a:avLst>
-              <a:gd name="adj1" fmla="val 16265723"/>
-              <a:gd name="adj2" fmla="val 0"/>
-            </a:avLst>
-          </a:prstGeom>
-          <a:ln w="12700">
-            <a:solidFill>
-              <a:schemeClr val="bg2">
-                <a:lumMod val="50000"/>
-              </a:schemeClr>
-            </a:solidFill>
-          </a:ln>
-        </p:spPr>
-        <p:style>
-          <a:lnRef idx="1">
-            <a:schemeClr val="accent1"/>
-          </a:lnRef>
-          <a:fillRef idx="0">
-            <a:schemeClr val="accent1"/>
-          </a:fillRef>
-          <a:effectRef idx="0">
-            <a:schemeClr val="accent1"/>
-          </a:effectRef>
-          <a:fontRef idx="minor">
-            <a:schemeClr val="tx1"/>
-          </a:fontRef>
-        </p:style>
-        <p:txBody>
-          <a:bodyPr rtlCol="0" anchor="ctr"/>
-          <a:lstStyle/>
-          <a:p>
-            <a:pPr algn="ctr"/>
-            <a:endParaRPr lang="en-GB"/>
-          </a:p>
-        </p:txBody>
-      </p:sp>
-      <p:sp>
-        <p:nvSpPr>
-          <p:cNvPr id="13" name="Arc 12">
-            <a:extLst>
-              <a:ext uri="{FF2B5EF4-FFF2-40B4-BE49-F238E27FC236}">
-                <a16:creationId xmlns:a16="http://schemas.microsoft.com/office/drawing/2014/main" id="{7D7B1C87-FC57-4573-A29D-B90D9ED155A8}"/>
-              </a:ext>
-            </a:extLst>
-          </p:cNvPr>
-          <p:cNvSpPr/>
-          <p:nvPr/>
-        </p:nvSpPr>
-        <p:spPr>
-          <a:xfrm>
-            <a:off x="-3926613" y="2295646"/>
-            <a:ext cx="14065200" cy="5574792"/>
-          </a:xfrm>
-          <a:prstGeom prst="arc">
-            <a:avLst>
-              <a:gd name="adj1" fmla="val 16156139"/>
-              <a:gd name="adj2" fmla="val 21495579"/>
-            </a:avLst>
-          </a:prstGeom>
-          <a:ln w="12700">
-            <a:solidFill>
-              <a:schemeClr val="bg2">
-                <a:lumMod val="50000"/>
-              </a:schemeClr>
-            </a:solidFill>
-          </a:ln>
-        </p:spPr>
-        <p:style>
-          <a:lnRef idx="1">
-            <a:schemeClr val="accent1"/>
-          </a:lnRef>
-          <a:fillRef idx="0">
-            <a:schemeClr val="accent1"/>
-          </a:fillRef>
-          <a:effectRef idx="0">
-            <a:schemeClr val="accent1"/>
-          </a:effectRef>
-          <a:fontRef idx="minor">
-            <a:schemeClr val="tx1"/>
-          </a:fontRef>
-        </p:style>
-        <p:txBody>
-          <a:bodyPr rtlCol="0" anchor="ctr"/>
-          <a:lstStyle/>
-          <a:p>
-            <a:pPr algn="ctr"/>
-            <a:endParaRPr lang="en-GB"/>
-          </a:p>
-        </p:txBody>
-      </p:sp>
-      <p:sp>
-        <p:nvSpPr>
-          <p:cNvPr id="14" name="Arc 13">
-            <a:extLst>
-              <a:ext uri="{FF2B5EF4-FFF2-40B4-BE49-F238E27FC236}">
-                <a16:creationId xmlns:a16="http://schemas.microsoft.com/office/drawing/2014/main" id="{617E3066-8584-42CB-93C3-1EDB5A8EC03F}"/>
-              </a:ext>
-            </a:extLst>
-          </p:cNvPr>
-          <p:cNvSpPr/>
-          <p:nvPr/>
-        </p:nvSpPr>
-        <p:spPr>
-          <a:xfrm rot="18998032">
-            <a:off x="5841603" y="4614226"/>
-            <a:ext cx="2211106" cy="2158480"/>
-          </a:xfrm>
-          <a:prstGeom prst="arc">
-            <a:avLst>
-              <a:gd name="adj1" fmla="val 16049228"/>
-              <a:gd name="adj2" fmla="val 0"/>
-            </a:avLst>
-          </a:prstGeom>
-          <a:ln w="12700">
-            <a:solidFill>
-              <a:schemeClr val="bg2">
-                <a:lumMod val="50000"/>
-              </a:schemeClr>
-            </a:solidFill>
-            <a:prstDash val="sysDash"/>
-          </a:ln>
-        </p:spPr>
-        <p:style>
-          <a:lnRef idx="1">
-            <a:schemeClr val="accent1"/>
-          </a:lnRef>
-          <a:fillRef idx="0">
-            <a:schemeClr val="accent1"/>
-          </a:fillRef>
-          <a:effectRef idx="0">
-            <a:schemeClr val="accent1"/>
-          </a:effectRef>
-          <a:fontRef idx="minor">
-            <a:schemeClr val="tx1"/>
-          </a:fontRef>
-        </p:style>
-        <p:txBody>
-          <a:bodyPr rtlCol="0" anchor="ctr"/>
-          <a:lstStyle/>
-          <a:p>
-            <a:pPr algn="ctr"/>
-            <a:endParaRPr lang="en-GB" dirty="0"/>
-          </a:p>
-        </p:txBody>
-      </p:sp>
-      <p:cxnSp>
-        <p:nvCxnSpPr>
-          <p:cNvPr id="16" name="Straight Connector 15">
-            <a:extLst>
-              <a:ext uri="{FF2B5EF4-FFF2-40B4-BE49-F238E27FC236}">
-                <a16:creationId xmlns:a16="http://schemas.microsoft.com/office/drawing/2014/main" id="{E76B654F-87E2-461F-A649-9612D4534CBC}"/>
-              </a:ext>
-            </a:extLst>
-          </p:cNvPr>
-          <p:cNvCxnSpPr/>
-          <p:nvPr/>
-        </p:nvCxnSpPr>
-        <p:spPr>
-          <a:xfrm>
-            <a:off x="2046147" y="2918721"/>
-            <a:ext cx="0" cy="1970532"/>
-          </a:xfrm>
-          <a:prstGeom prst="line">
-            <a:avLst/>
-          </a:prstGeom>
-          <a:ln w="15875">
-            <a:solidFill>
-              <a:schemeClr val="bg2">
-                <a:lumMod val="50000"/>
-              </a:schemeClr>
-            </a:solidFill>
-          </a:ln>
-        </p:spPr>
-        <p:style>
-          <a:lnRef idx="1">
-            <a:schemeClr val="accent1"/>
-          </a:lnRef>
-          <a:fillRef idx="0">
-            <a:schemeClr val="accent1"/>
-          </a:fillRef>
-          <a:effectRef idx="0">
-            <a:schemeClr val="accent1"/>
-          </a:effectRef>
-          <a:fontRef idx="minor">
-            <a:schemeClr val="tx1"/>
-          </a:fontRef>
-        </p:style>
-      </p:cxnSp>
-      <p:cxnSp>
-        <p:nvCxnSpPr>
-          <p:cNvPr id="17" name="Straight Connector 16">
-            <a:extLst>
-              <a:ext uri="{FF2B5EF4-FFF2-40B4-BE49-F238E27FC236}">
-                <a16:creationId xmlns:a16="http://schemas.microsoft.com/office/drawing/2014/main" id="{D12F75CB-542F-4F35-9611-56CD305B61A9}"/>
-              </a:ext>
-            </a:extLst>
-          </p:cNvPr>
-          <p:cNvCxnSpPr/>
-          <p:nvPr/>
-        </p:nvCxnSpPr>
-        <p:spPr>
-          <a:xfrm>
-            <a:off x="2689275" y="2918721"/>
-            <a:ext cx="0" cy="1970532"/>
-          </a:xfrm>
-          <a:prstGeom prst="line">
-            <a:avLst/>
-          </a:prstGeom>
-          <a:ln w="15875">
-            <a:solidFill>
-              <a:schemeClr val="bg2">
-                <a:lumMod val="50000"/>
-              </a:schemeClr>
-            </a:solidFill>
-          </a:ln>
-        </p:spPr>
-        <p:style>
-          <a:lnRef idx="1">
-            <a:schemeClr val="accent1"/>
-          </a:lnRef>
-          <a:fillRef idx="0">
-            <a:schemeClr val="accent1"/>
-          </a:fillRef>
-          <a:effectRef idx="0">
-            <a:schemeClr val="accent1"/>
-          </a:effectRef>
-          <a:fontRef idx="minor">
-            <a:schemeClr val="tx1"/>
-          </a:fontRef>
-        </p:style>
-      </p:cxnSp>
-      <p:sp>
-        <p:nvSpPr>
-          <p:cNvPr id="18" name="Oval 17">
-            <a:extLst>
-              <a:ext uri="{FF2B5EF4-FFF2-40B4-BE49-F238E27FC236}">
-                <a16:creationId xmlns:a16="http://schemas.microsoft.com/office/drawing/2014/main" id="{B51FB198-4099-4131-8E02-1159F54B41CF}"/>
-              </a:ext>
-            </a:extLst>
-          </p:cNvPr>
-          <p:cNvSpPr/>
-          <p:nvPr/>
-        </p:nvSpPr>
-        <p:spPr>
-          <a:xfrm>
-            <a:off x="4391425" y="4974513"/>
-            <a:ext cx="180000" cy="180000"/>
-          </a:xfrm>
-          <a:prstGeom prst="ellipse">
-            <a:avLst/>
-          </a:prstGeom>
-          <a:solidFill>
-            <a:schemeClr val="bg2">
-              <a:lumMod val="50000"/>
-            </a:schemeClr>
-          </a:solidFill>
-          <a:ln>
-            <a:solidFill>
-              <a:schemeClr val="tx1"/>
-            </a:solidFill>
-          </a:ln>
-        </p:spPr>
-        <p:style>
-          <a:lnRef idx="2">
-            <a:schemeClr val="accent1">
-              <a:shade val="50000"/>
-            </a:schemeClr>
-          </a:lnRef>
-          <a:fillRef idx="1">
-            <a:schemeClr val="accent1"/>
-          </a:fillRef>
-          <a:effectRef idx="0">
-            <a:schemeClr val="accent1"/>
-          </a:effectRef>
-          <a:fontRef idx="minor">
-            <a:schemeClr val="lt1"/>
-          </a:fontRef>
-        </p:style>
-        <p:txBody>
-          <a:bodyPr rtlCol="0" anchor="ctr"/>
-          <a:lstStyle/>
-          <a:p>
-            <a:pPr algn="ctr"/>
-            <a:endParaRPr lang="en-GB" dirty="0"/>
-          </a:p>
-        </p:txBody>
-      </p:sp>
-      <p:sp>
-        <p:nvSpPr>
-          <p:cNvPr id="19" name="Arc 18">
-            <a:extLst>
-              <a:ext uri="{FF2B5EF4-FFF2-40B4-BE49-F238E27FC236}">
-                <a16:creationId xmlns:a16="http://schemas.microsoft.com/office/drawing/2014/main" id="{47199A68-68A2-4C6D-90C7-45764CBE8157}"/>
-              </a:ext>
-            </a:extLst>
-          </p:cNvPr>
-          <p:cNvSpPr/>
-          <p:nvPr/>
-        </p:nvSpPr>
-        <p:spPr>
-          <a:xfrm rot="18998032">
-            <a:off x="2414597" y="4602828"/>
-            <a:ext cx="2260730" cy="2223180"/>
-          </a:xfrm>
-          <a:prstGeom prst="arc">
-            <a:avLst/>
-          </a:prstGeom>
-          <a:ln w="12700">
-            <a:solidFill>
-              <a:schemeClr val="bg2">
-                <a:lumMod val="50000"/>
-              </a:schemeClr>
-            </a:solidFill>
-            <a:prstDash val="sysDash"/>
-          </a:ln>
-        </p:spPr>
-        <p:style>
-          <a:lnRef idx="1">
-            <a:schemeClr val="accent1"/>
-          </a:lnRef>
-          <a:fillRef idx="0">
-            <a:schemeClr val="accent1"/>
-          </a:fillRef>
-          <a:effectRef idx="0">
-            <a:schemeClr val="accent1"/>
-          </a:effectRef>
-          <a:fontRef idx="minor">
-            <a:schemeClr val="tx1"/>
-          </a:fontRef>
-        </p:style>
-        <p:txBody>
-          <a:bodyPr rtlCol="0" anchor="ctr"/>
-          <a:lstStyle/>
-          <a:p>
-            <a:pPr algn="ctr"/>
-            <a:endParaRPr lang="en-GB" dirty="0"/>
-          </a:p>
-        </p:txBody>
-      </p:sp>
-      <p:sp>
-        <p:nvSpPr>
-          <p:cNvPr id="20" name="Oval 19">
-            <a:extLst>
-              <a:ext uri="{FF2B5EF4-FFF2-40B4-BE49-F238E27FC236}">
-                <a16:creationId xmlns:a16="http://schemas.microsoft.com/office/drawing/2014/main" id="{647DC067-4B41-4F82-90E9-F6E892EB1FA8}"/>
-              </a:ext>
-            </a:extLst>
-          </p:cNvPr>
-          <p:cNvSpPr/>
-          <p:nvPr/>
-        </p:nvSpPr>
-        <p:spPr>
-          <a:xfrm>
-            <a:off x="8929955" y="4974513"/>
-            <a:ext cx="180000" cy="180000"/>
-          </a:xfrm>
-          <a:prstGeom prst="ellipse">
-            <a:avLst/>
-          </a:prstGeom>
-          <a:solidFill>
-            <a:schemeClr val="bg2">
-              <a:lumMod val="50000"/>
-            </a:schemeClr>
-          </a:solidFill>
-          <a:ln>
-            <a:solidFill>
-              <a:schemeClr val="tx1"/>
-            </a:solidFill>
-          </a:ln>
-        </p:spPr>
-        <p:style>
-          <a:lnRef idx="2">
-            <a:schemeClr val="accent1">
-              <a:shade val="50000"/>
-            </a:schemeClr>
-          </a:lnRef>
-          <a:fillRef idx="1">
-            <a:schemeClr val="accent1"/>
-          </a:fillRef>
-          <a:effectRef idx="0">
-            <a:schemeClr val="accent1"/>
-          </a:effectRef>
-          <a:fontRef idx="minor">
-            <a:schemeClr val="lt1"/>
-          </a:fontRef>
-        </p:style>
-        <p:txBody>
-          <a:bodyPr rtlCol="0" anchor="ctr"/>
-          <a:lstStyle/>
-          <a:p>
-            <a:pPr algn="ctr"/>
-            <a:endParaRPr lang="en-GB" dirty="0"/>
-          </a:p>
-        </p:txBody>
-      </p:sp>
-      <p:sp>
-        <p:nvSpPr>
-          <p:cNvPr id="21" name="Arc 20">
-            <a:extLst>
-              <a:ext uri="{FF2B5EF4-FFF2-40B4-BE49-F238E27FC236}">
-                <a16:creationId xmlns:a16="http://schemas.microsoft.com/office/drawing/2014/main" id="{3F144581-1F69-4A96-B123-49447E86D35E}"/>
-              </a:ext>
-            </a:extLst>
-          </p:cNvPr>
-          <p:cNvSpPr/>
-          <p:nvPr/>
-        </p:nvSpPr>
-        <p:spPr>
-          <a:xfrm rot="18998032">
-            <a:off x="7725913" y="4726226"/>
-            <a:ext cx="1401725" cy="1314552"/>
-          </a:xfrm>
-          <a:prstGeom prst="arc">
-            <a:avLst>
-              <a:gd name="adj1" fmla="val 15945108"/>
-              <a:gd name="adj2" fmla="val 0"/>
-            </a:avLst>
-          </a:prstGeom>
-          <a:ln w="12700">
-            <a:solidFill>
-              <a:schemeClr val="bg2">
-                <a:lumMod val="50000"/>
-              </a:schemeClr>
-            </a:solidFill>
-            <a:prstDash val="sysDash"/>
-          </a:ln>
-        </p:spPr>
-        <p:style>
-          <a:lnRef idx="1">
-            <a:schemeClr val="accent1"/>
-          </a:lnRef>
-          <a:fillRef idx="0">
-            <a:schemeClr val="accent1"/>
-          </a:fillRef>
-          <a:effectRef idx="0">
-            <a:schemeClr val="accent1"/>
-          </a:effectRef>
-          <a:fontRef idx="minor">
-            <a:schemeClr val="tx1"/>
           </a:fontRef>
         </p:style>
         <p:txBody>
@@ -4346,10 +4072,10 @@
       </p:sp>
       <p:sp>
         <p:nvSpPr>
-          <p:cNvPr id="24" name="Isosceles Triangle 23">
-            <a:extLst>
-              <a:ext uri="{FF2B5EF4-FFF2-40B4-BE49-F238E27FC236}">
-                <a16:creationId xmlns:a16="http://schemas.microsoft.com/office/drawing/2014/main" id="{FC3C71A4-B681-49CD-B567-C71152BC6C3E}"/>
+          <p:cNvPr id="25" name="Isosceles Triangle 24">
+            <a:extLst>
+              <a:ext uri="{FF2B5EF4-FFF2-40B4-BE49-F238E27FC236}">
+                <a16:creationId xmlns:a16="http://schemas.microsoft.com/office/drawing/2014/main" id="{A190F8D6-0527-4F2D-A004-F94CC68BC9EA}"/>
               </a:ext>
             </a:extLst>
           </p:cNvPr>
@@ -4357,8 +4083,8 @@
           <p:nvPr/>
         </p:nvSpPr>
         <p:spPr>
-          <a:xfrm rot="8007592">
-            <a:off x="4274214" y="4875685"/>
+          <a:xfrm rot="10800000">
+            <a:off x="5195437" y="4809224"/>
             <a:ext cx="125507" cy="79285"/>
           </a:xfrm>
           <a:prstGeom prst="triangle">
@@ -4404,10 +4130,10 @@
       </p:sp>
       <p:sp>
         <p:nvSpPr>
-          <p:cNvPr id="25" name="Isosceles Triangle 24">
-            <a:extLst>
-              <a:ext uri="{FF2B5EF4-FFF2-40B4-BE49-F238E27FC236}">
-                <a16:creationId xmlns:a16="http://schemas.microsoft.com/office/drawing/2014/main" id="{A190F8D6-0527-4F2D-A004-F94CC68BC9EA}"/>
+          <p:cNvPr id="28" name="Isosceles Triangle 27">
+            <a:extLst>
+              <a:ext uri="{FF2B5EF4-FFF2-40B4-BE49-F238E27FC236}">
+                <a16:creationId xmlns:a16="http://schemas.microsoft.com/office/drawing/2014/main" id="{95777BEA-0FDE-4516-858B-1E94F968E2A0}"/>
               </a:ext>
             </a:extLst>
           </p:cNvPr>
@@ -4415,8 +4141,8 @@
           <p:nvPr/>
         </p:nvSpPr>
         <p:spPr>
-          <a:xfrm rot="10800000">
-            <a:off x="5967129" y="4831322"/>
+          <a:xfrm rot="9745773">
+            <a:off x="8943906" y="4827837"/>
             <a:ext cx="125507" cy="79285"/>
           </a:xfrm>
           <a:prstGeom prst="triangle">
@@ -4462,10 +4188,384 @@
       </p:sp>
       <p:sp>
         <p:nvSpPr>
-          <p:cNvPr id="26" name="Isosceles Triangle 25">
-            <a:extLst>
-              <a:ext uri="{FF2B5EF4-FFF2-40B4-BE49-F238E27FC236}">
-                <a16:creationId xmlns:a16="http://schemas.microsoft.com/office/drawing/2014/main" id="{442CD675-D4A2-465A-A159-EB2A0606B1B0}"/>
+          <p:cNvPr id="29" name="TextBox 28">
+            <a:extLst>
+              <a:ext uri="{FF2B5EF4-FFF2-40B4-BE49-F238E27FC236}">
+                <a16:creationId xmlns:a16="http://schemas.microsoft.com/office/drawing/2014/main" id="{E5A9941C-40F1-4506-AC5A-F300C1BB6007}"/>
+              </a:ext>
+            </a:extLst>
+          </p:cNvPr>
+          <p:cNvSpPr txBox="1"/>
+          <p:nvPr/>
+        </p:nvSpPr>
+        <p:spPr>
+          <a:xfrm>
+            <a:off x="1753002" y="2998467"/>
+            <a:ext cx="1225296" cy="307777"/>
+          </a:xfrm>
+          <a:prstGeom prst="rect">
+            <a:avLst/>
+          </a:prstGeom>
+          <a:noFill/>
+        </p:spPr>
+        <p:txBody>
+          <a:bodyPr wrap="square" rtlCol="0">
+            <a:spAutoFit/>
+          </a:bodyPr>
+          <a:lstStyle/>
+          <a:p>
+            <a:pPr algn="ctr"/>
+            <a:r>
+              <a:rPr lang="en-GB" sz="1400" i="1" dirty="0">
+                <a:latin typeface="Arial" panose="020B0604020202020204" pitchFamily="34" charset="0"/>
+                <a:cs typeface="Arial" panose="020B0604020202020204" pitchFamily="34" charset="0"/>
+              </a:rPr>
+              <a:t>gravity</a:t>
+            </a:r>
+          </a:p>
+        </p:txBody>
+      </p:sp>
+      <p:sp>
+        <p:nvSpPr>
+          <p:cNvPr id="30" name="TextBox 29">
+            <a:extLst>
+              <a:ext uri="{FF2B5EF4-FFF2-40B4-BE49-F238E27FC236}">
+                <a16:creationId xmlns:a16="http://schemas.microsoft.com/office/drawing/2014/main" id="{1ED53834-1936-493C-B780-C0966C578512}"/>
+              </a:ext>
+            </a:extLst>
+          </p:cNvPr>
+          <p:cNvSpPr txBox="1"/>
+          <p:nvPr/>
+        </p:nvSpPr>
+        <p:spPr>
+          <a:xfrm>
+            <a:off x="2789651" y="4112943"/>
+            <a:ext cx="1090565" cy="523220"/>
+          </a:xfrm>
+          <a:prstGeom prst="rect">
+            <a:avLst/>
+          </a:prstGeom>
+          <a:noFill/>
+        </p:spPr>
+        <p:txBody>
+          <a:bodyPr wrap="square" rtlCol="0">
+            <a:spAutoFit/>
+          </a:bodyPr>
+          <a:lstStyle/>
+          <a:p>
+            <a:pPr algn="ctr"/>
+            <a:r>
+              <a:rPr lang="en-GB" sz="1400" i="1" dirty="0">
+                <a:latin typeface="Arial" panose="020B0604020202020204" pitchFamily="34" charset="0"/>
+                <a:cs typeface="Arial" panose="020B0604020202020204" pitchFamily="34" charset="0"/>
+              </a:rPr>
+              <a:t>ants, rodents</a:t>
+            </a:r>
+          </a:p>
+        </p:txBody>
+      </p:sp>
+      <p:sp>
+        <p:nvSpPr>
+          <p:cNvPr id="31" name="TextBox 30">
+            <a:extLst>
+              <a:ext uri="{FF2B5EF4-FFF2-40B4-BE49-F238E27FC236}">
+                <a16:creationId xmlns:a16="http://schemas.microsoft.com/office/drawing/2014/main" id="{F072D4DD-79E2-49C7-8C61-1EC12571B722}"/>
+              </a:ext>
+            </a:extLst>
+          </p:cNvPr>
+          <p:cNvSpPr txBox="1"/>
+          <p:nvPr/>
+        </p:nvSpPr>
+        <p:spPr>
+          <a:xfrm>
+            <a:off x="5216515" y="4326283"/>
+            <a:ext cx="1225296" cy="307777"/>
+          </a:xfrm>
+          <a:prstGeom prst="rect">
+            <a:avLst/>
+          </a:prstGeom>
+          <a:noFill/>
+        </p:spPr>
+        <p:txBody>
+          <a:bodyPr wrap="square" rtlCol="0">
+            <a:spAutoFit/>
+          </a:bodyPr>
+          <a:lstStyle/>
+          <a:p>
+            <a:pPr algn="ctr"/>
+            <a:r>
+              <a:rPr lang="en-GB" sz="1400" i="1" dirty="0">
+                <a:latin typeface="Arial" panose="020B0604020202020204" pitchFamily="34" charset="0"/>
+                <a:cs typeface="Arial" panose="020B0604020202020204" pitchFamily="34" charset="0"/>
+              </a:rPr>
+              <a:t>rodents</a:t>
+            </a:r>
+          </a:p>
+        </p:txBody>
+      </p:sp>
+      <p:sp>
+        <p:nvSpPr>
+          <p:cNvPr id="32" name="TextBox 31">
+            <a:extLst>
+              <a:ext uri="{FF2B5EF4-FFF2-40B4-BE49-F238E27FC236}">
+                <a16:creationId xmlns:a16="http://schemas.microsoft.com/office/drawing/2014/main" id="{68B8FFBA-7F1A-4FA7-BAB2-F424215950C8}"/>
+              </a:ext>
+            </a:extLst>
+          </p:cNvPr>
+          <p:cNvSpPr txBox="1"/>
+          <p:nvPr/>
+        </p:nvSpPr>
+        <p:spPr>
+          <a:xfrm>
+            <a:off x="6356981" y="4325510"/>
+            <a:ext cx="1225296" cy="307777"/>
+          </a:xfrm>
+          <a:prstGeom prst="rect">
+            <a:avLst/>
+          </a:prstGeom>
+          <a:noFill/>
+        </p:spPr>
+        <p:txBody>
+          <a:bodyPr wrap="square" rtlCol="0">
+            <a:spAutoFit/>
+          </a:bodyPr>
+          <a:lstStyle/>
+          <a:p>
+            <a:pPr algn="ctr"/>
+            <a:r>
+              <a:rPr lang="en-GB" sz="1400" i="1" dirty="0">
+                <a:latin typeface="Arial" panose="020B0604020202020204" pitchFamily="34" charset="0"/>
+                <a:cs typeface="Arial" panose="020B0604020202020204" pitchFamily="34" charset="0"/>
+              </a:rPr>
+              <a:t>ants</a:t>
+            </a:r>
+          </a:p>
+        </p:txBody>
+      </p:sp>
+      <p:sp>
+        <p:nvSpPr>
+          <p:cNvPr id="33" name="TextBox 32">
+            <a:extLst>
+              <a:ext uri="{FF2B5EF4-FFF2-40B4-BE49-F238E27FC236}">
+                <a16:creationId xmlns:a16="http://schemas.microsoft.com/office/drawing/2014/main" id="{54E322F4-D058-452B-B3B6-C6C756C6B879}"/>
+              </a:ext>
+            </a:extLst>
+          </p:cNvPr>
+          <p:cNvSpPr txBox="1"/>
+          <p:nvPr/>
+        </p:nvSpPr>
+        <p:spPr>
+          <a:xfrm>
+            <a:off x="4629036" y="2998467"/>
+            <a:ext cx="1419801" cy="307777"/>
+          </a:xfrm>
+          <a:prstGeom prst="rect">
+            <a:avLst/>
+          </a:prstGeom>
+          <a:noFill/>
+        </p:spPr>
+        <p:txBody>
+          <a:bodyPr wrap="square" rtlCol="0">
+            <a:spAutoFit/>
+          </a:bodyPr>
+          <a:lstStyle/>
+          <a:p>
+            <a:pPr algn="ctr"/>
+            <a:r>
+              <a:rPr lang="en-GB" sz="1400" i="1" dirty="0">
+                <a:latin typeface="Arial" panose="020B0604020202020204" pitchFamily="34" charset="0"/>
+                <a:cs typeface="Arial" panose="020B0604020202020204" pitchFamily="34" charset="0"/>
+              </a:rPr>
+              <a:t>gravity + wind</a:t>
+            </a:r>
+          </a:p>
+        </p:txBody>
+      </p:sp>
+      <p:sp>
+        <p:nvSpPr>
+          <p:cNvPr id="34" name="TextBox 33">
+            <a:extLst>
+              <a:ext uri="{FF2B5EF4-FFF2-40B4-BE49-F238E27FC236}">
+                <a16:creationId xmlns:a16="http://schemas.microsoft.com/office/drawing/2014/main" id="{B43A5E82-1E74-4EFE-A725-84D6CEC48807}"/>
+              </a:ext>
+            </a:extLst>
+          </p:cNvPr>
+          <p:cNvSpPr txBox="1"/>
+          <p:nvPr/>
+        </p:nvSpPr>
+        <p:spPr>
+          <a:xfrm>
+            <a:off x="7233534" y="3003364"/>
+            <a:ext cx="1225296" cy="307777"/>
+          </a:xfrm>
+          <a:prstGeom prst="rect">
+            <a:avLst/>
+          </a:prstGeom>
+          <a:noFill/>
+        </p:spPr>
+        <p:txBody>
+          <a:bodyPr wrap="square" rtlCol="0">
+            <a:spAutoFit/>
+          </a:bodyPr>
+          <a:lstStyle/>
+          <a:p>
+            <a:pPr algn="ctr"/>
+            <a:r>
+              <a:rPr lang="en-GB" sz="1400" i="1" dirty="0">
+                <a:latin typeface="Arial" panose="020B0604020202020204" pitchFamily="34" charset="0"/>
+                <a:cs typeface="Arial" panose="020B0604020202020204" pitchFamily="34" charset="0"/>
+              </a:rPr>
+              <a:t>birds</a:t>
+            </a:r>
+          </a:p>
+        </p:txBody>
+      </p:sp>
+      <p:cxnSp>
+        <p:nvCxnSpPr>
+          <p:cNvPr id="36" name="Straight Connector 35">
+            <a:extLst>
+              <a:ext uri="{FF2B5EF4-FFF2-40B4-BE49-F238E27FC236}">
+                <a16:creationId xmlns:a16="http://schemas.microsoft.com/office/drawing/2014/main" id="{120E6E6B-59DA-48A8-8503-51BDFE5AAA63}"/>
+              </a:ext>
+            </a:extLst>
+          </p:cNvPr>
+          <p:cNvCxnSpPr>
+            <a:cxnSpLocks/>
+          </p:cNvCxnSpPr>
+          <p:nvPr/>
+        </p:nvCxnSpPr>
+        <p:spPr>
+          <a:xfrm>
+            <a:off x="10005186" y="1633143"/>
+            <a:ext cx="492522" cy="0"/>
+          </a:xfrm>
+          <a:prstGeom prst="line">
+            <a:avLst/>
+          </a:prstGeom>
+          <a:ln w="15875">
+            <a:solidFill>
+              <a:schemeClr val="bg2">
+                <a:lumMod val="50000"/>
+              </a:schemeClr>
+            </a:solidFill>
+          </a:ln>
+        </p:spPr>
+        <p:style>
+          <a:lnRef idx="1">
+            <a:schemeClr val="accent1"/>
+          </a:lnRef>
+          <a:fillRef idx="0">
+            <a:schemeClr val="accent1"/>
+          </a:fillRef>
+          <a:effectRef idx="0">
+            <a:schemeClr val="accent1"/>
+          </a:effectRef>
+          <a:fontRef idx="minor">
+            <a:schemeClr val="tx1"/>
+          </a:fontRef>
+        </p:style>
+      </p:cxnSp>
+      <p:cxnSp>
+        <p:nvCxnSpPr>
+          <p:cNvPr id="38" name="Straight Connector 37">
+            <a:extLst>
+              <a:ext uri="{FF2B5EF4-FFF2-40B4-BE49-F238E27FC236}">
+                <a16:creationId xmlns:a16="http://schemas.microsoft.com/office/drawing/2014/main" id="{D2811624-EF5D-485D-9615-44DBF0F5C24B}"/>
+              </a:ext>
+            </a:extLst>
+          </p:cNvPr>
+          <p:cNvCxnSpPr>
+            <a:cxnSpLocks/>
+          </p:cNvCxnSpPr>
+          <p:nvPr/>
+        </p:nvCxnSpPr>
+        <p:spPr>
+          <a:xfrm>
+            <a:off x="10005186" y="1831263"/>
+            <a:ext cx="492522" cy="0"/>
+          </a:xfrm>
+          <a:prstGeom prst="line">
+            <a:avLst/>
+          </a:prstGeom>
+          <a:ln w="15875">
+            <a:solidFill>
+              <a:schemeClr val="bg2">
+                <a:lumMod val="50000"/>
+              </a:schemeClr>
+            </a:solidFill>
+            <a:prstDash val="sysDash"/>
+          </a:ln>
+        </p:spPr>
+        <p:style>
+          <a:lnRef idx="1">
+            <a:schemeClr val="accent1"/>
+          </a:lnRef>
+          <a:fillRef idx="0">
+            <a:schemeClr val="accent1"/>
+          </a:fillRef>
+          <a:effectRef idx="0">
+            <a:schemeClr val="accent1"/>
+          </a:effectRef>
+          <a:fontRef idx="minor">
+            <a:schemeClr val="tx1"/>
+          </a:fontRef>
+        </p:style>
+      </p:cxnSp>
+      <p:sp>
+        <p:nvSpPr>
+          <p:cNvPr id="39" name="TextBox 38">
+            <a:extLst>
+              <a:ext uri="{FF2B5EF4-FFF2-40B4-BE49-F238E27FC236}">
+                <a16:creationId xmlns:a16="http://schemas.microsoft.com/office/drawing/2014/main" id="{182ED36F-4133-4949-A2ED-5630D7D5F20F}"/>
+              </a:ext>
+            </a:extLst>
+          </p:cNvPr>
+          <p:cNvSpPr txBox="1"/>
+          <p:nvPr/>
+        </p:nvSpPr>
+        <p:spPr>
+          <a:xfrm>
+            <a:off x="7338358" y="1496261"/>
+            <a:ext cx="2655078" cy="461665"/>
+          </a:xfrm>
+          <a:prstGeom prst="rect">
+            <a:avLst/>
+          </a:prstGeom>
+          <a:noFill/>
+        </p:spPr>
+        <p:txBody>
+          <a:bodyPr wrap="square" rtlCol="0">
+            <a:spAutoFit/>
+          </a:bodyPr>
+          <a:lstStyle/>
+          <a:p>
+            <a:pPr algn="r"/>
+            <a:r>
+              <a:rPr lang="en-GB" sz="1200" dirty="0">
+                <a:latin typeface="Arial" panose="020B0604020202020204" pitchFamily="34" charset="0"/>
+                <a:cs typeface="Arial" panose="020B0604020202020204" pitchFamily="34" charset="0"/>
+              </a:rPr>
+              <a:t>Primary dispersal</a:t>
+            </a:r>
+          </a:p>
+          <a:p>
+            <a:pPr algn="r"/>
+            <a:r>
+              <a:rPr lang="en-GB" sz="1200" dirty="0">
+                <a:latin typeface="Arial" panose="020B0604020202020204" pitchFamily="34" charset="0"/>
+                <a:cs typeface="Arial" panose="020B0604020202020204" pitchFamily="34" charset="0"/>
+              </a:rPr>
+              <a:t>Secondary or higher-order dispersal</a:t>
+            </a:r>
+          </a:p>
+        </p:txBody>
+      </p:sp>
+      <p:sp>
+        <p:nvSpPr>
+          <p:cNvPr id="2" name="Arc 1">
+            <a:extLst>
+              <a:ext uri="{FF2B5EF4-FFF2-40B4-BE49-F238E27FC236}">
+                <a16:creationId xmlns:a16="http://schemas.microsoft.com/office/drawing/2014/main" id="{A5E4D2F1-54B3-0A7B-EE59-B5716BFD6662}"/>
               </a:ext>
             </a:extLst>
           </p:cNvPr>
@@ -4473,8 +4573,63 @@
           <p:nvPr/>
         </p:nvSpPr>
         <p:spPr>
+          <a:xfrm rot="18998032">
+            <a:off x="2580483" y="4693494"/>
+            <a:ext cx="1401725" cy="1314552"/>
+          </a:xfrm>
+          <a:prstGeom prst="arc">
+            <a:avLst>
+              <a:gd name="adj1" fmla="val 15945108"/>
+              <a:gd name="adj2" fmla="val 0"/>
+            </a:avLst>
+          </a:prstGeom>
+          <a:ln w="12700">
+            <a:solidFill>
+              <a:schemeClr val="bg2">
+                <a:lumMod val="50000"/>
+              </a:schemeClr>
+            </a:solidFill>
+            <a:prstDash val="sysDash"/>
+          </a:ln>
+        </p:spPr>
+        <p:style>
+          <a:lnRef idx="1">
+            <a:schemeClr val="accent1"/>
+          </a:lnRef>
+          <a:fillRef idx="0">
+            <a:schemeClr val="accent1"/>
+          </a:fillRef>
+          <a:effectRef idx="0">
+            <a:schemeClr val="accent1"/>
+          </a:effectRef>
+          <a:fontRef idx="minor">
+            <a:schemeClr val="tx1"/>
+          </a:fontRef>
+        </p:style>
+        <p:txBody>
+          <a:bodyPr rtlCol="0" anchor="ctr"/>
+          <a:lstStyle/>
+          <a:p>
+            <a:pPr algn="ctr"/>
+            <a:endParaRPr lang="en-GB" dirty="0"/>
+          </a:p>
+        </p:txBody>
+      </p:sp>
+      <p:sp>
+        <p:nvSpPr>
+          <p:cNvPr id="3" name="Isosceles Triangle 2">
+            <a:extLst>
+              <a:ext uri="{FF2B5EF4-FFF2-40B4-BE49-F238E27FC236}">
+                <a16:creationId xmlns:a16="http://schemas.microsoft.com/office/drawing/2014/main" id="{694F67DB-40A3-B563-C8CD-71225ADA656E}"/>
+              </a:ext>
+            </a:extLst>
+          </p:cNvPr>
+          <p:cNvSpPr/>
+          <p:nvPr/>
+        </p:nvSpPr>
+        <p:spPr>
           <a:xfrm rot="8337143">
-            <a:off x="7657719" y="4872317"/>
+            <a:off x="3716691" y="4821213"/>
             <a:ext cx="125507" cy="79285"/>
           </a:xfrm>
           <a:prstGeom prst="triangle">
@@ -4520,10 +4675,10 @@
       </p:sp>
       <p:sp>
         <p:nvSpPr>
-          <p:cNvPr id="27" name="Isosceles Triangle 26">
-            <a:extLst>
-              <a:ext uri="{FF2B5EF4-FFF2-40B4-BE49-F238E27FC236}">
-                <a16:creationId xmlns:a16="http://schemas.microsoft.com/office/drawing/2014/main" id="{A9210AC5-C196-4B49-8EF0-0197EF0CC059}"/>
+          <p:cNvPr id="6" name="Arc 5">
+            <a:extLst>
+              <a:ext uri="{FF2B5EF4-FFF2-40B4-BE49-F238E27FC236}">
+                <a16:creationId xmlns:a16="http://schemas.microsoft.com/office/drawing/2014/main" id="{C20D043F-E1BE-8187-097E-1AC999284D2B}"/>
               </a:ext>
             </a:extLst>
           </p:cNvPr>
@@ -4531,8 +4686,63 @@
           <p:nvPr/>
         </p:nvSpPr>
         <p:spPr>
+          <a:xfrm rot="18998032">
+            <a:off x="5141964" y="4693494"/>
+            <a:ext cx="1401725" cy="1314552"/>
+          </a:xfrm>
+          <a:prstGeom prst="arc">
+            <a:avLst>
+              <a:gd name="adj1" fmla="val 15945108"/>
+              <a:gd name="adj2" fmla="val 0"/>
+            </a:avLst>
+          </a:prstGeom>
+          <a:ln w="12700">
+            <a:solidFill>
+              <a:schemeClr val="bg2">
+                <a:lumMod val="50000"/>
+              </a:schemeClr>
+            </a:solidFill>
+            <a:prstDash val="sysDash"/>
+          </a:ln>
+        </p:spPr>
+        <p:style>
+          <a:lnRef idx="1">
+            <a:schemeClr val="accent1"/>
+          </a:lnRef>
+          <a:fillRef idx="0">
+            <a:schemeClr val="accent1"/>
+          </a:fillRef>
+          <a:effectRef idx="0">
+            <a:schemeClr val="accent1"/>
+          </a:effectRef>
+          <a:fontRef idx="minor">
+            <a:schemeClr val="tx1"/>
+          </a:fontRef>
+        </p:style>
+        <p:txBody>
+          <a:bodyPr rtlCol="0" anchor="ctr"/>
+          <a:lstStyle/>
+          <a:p>
+            <a:pPr algn="ctr"/>
+            <a:endParaRPr lang="en-GB" dirty="0"/>
+          </a:p>
+        </p:txBody>
+      </p:sp>
+      <p:sp>
+        <p:nvSpPr>
+          <p:cNvPr id="7" name="Isosceles Triangle 6">
+            <a:extLst>
+              <a:ext uri="{FF2B5EF4-FFF2-40B4-BE49-F238E27FC236}">
+                <a16:creationId xmlns:a16="http://schemas.microsoft.com/office/drawing/2014/main" id="{63D9FA66-81EA-AFEF-C43A-D4FF461E4688}"/>
+              </a:ext>
+            </a:extLst>
+          </p:cNvPr>
+          <p:cNvSpPr/>
+          <p:nvPr/>
+        </p:nvSpPr>
+        <p:spPr>
           <a:xfrm rot="8337143">
-            <a:off x="8862121" y="4853945"/>
+            <a:off x="6278172" y="4821213"/>
             <a:ext cx="125507" cy="79285"/>
           </a:xfrm>
           <a:prstGeom prst="triangle">
@@ -4578,10 +4788,10 @@
       </p:sp>
       <p:sp>
         <p:nvSpPr>
-          <p:cNvPr id="28" name="Isosceles Triangle 27">
-            <a:extLst>
-              <a:ext uri="{FF2B5EF4-FFF2-40B4-BE49-F238E27FC236}">
-                <a16:creationId xmlns:a16="http://schemas.microsoft.com/office/drawing/2014/main" id="{95777BEA-0FDE-4516-858B-1E94F968E2A0}"/>
+          <p:cNvPr id="15" name="Arc 14">
+            <a:extLst>
+              <a:ext uri="{FF2B5EF4-FFF2-40B4-BE49-F238E27FC236}">
+                <a16:creationId xmlns:a16="http://schemas.microsoft.com/office/drawing/2014/main" id="{0BCD997E-D93E-E58B-993E-0E3641BD9851}"/>
               </a:ext>
             </a:extLst>
           </p:cNvPr>
@@ -4589,8 +4799,63 @@
           <p:nvPr/>
         </p:nvSpPr>
         <p:spPr>
-          <a:xfrm rot="9745773">
-            <a:off x="10066795" y="4842218"/>
+          <a:xfrm rot="18998032">
+            <a:off x="6283865" y="4692721"/>
+            <a:ext cx="1401725" cy="1314552"/>
+          </a:xfrm>
+          <a:prstGeom prst="arc">
+            <a:avLst>
+              <a:gd name="adj1" fmla="val 15945108"/>
+              <a:gd name="adj2" fmla="val 0"/>
+            </a:avLst>
+          </a:prstGeom>
+          <a:ln w="12700">
+            <a:solidFill>
+              <a:schemeClr val="bg2">
+                <a:lumMod val="50000"/>
+              </a:schemeClr>
+            </a:solidFill>
+            <a:prstDash val="sysDash"/>
+          </a:ln>
+        </p:spPr>
+        <p:style>
+          <a:lnRef idx="1">
+            <a:schemeClr val="accent1"/>
+          </a:lnRef>
+          <a:fillRef idx="0">
+            <a:schemeClr val="accent1"/>
+          </a:fillRef>
+          <a:effectRef idx="0">
+            <a:schemeClr val="accent1"/>
+          </a:effectRef>
+          <a:fontRef idx="minor">
+            <a:schemeClr val="tx1"/>
+          </a:fontRef>
+        </p:style>
+        <p:txBody>
+          <a:bodyPr rtlCol="0" anchor="ctr"/>
+          <a:lstStyle/>
+          <a:p>
+            <a:pPr algn="ctr"/>
+            <a:endParaRPr lang="en-GB" dirty="0"/>
+          </a:p>
+        </p:txBody>
+      </p:sp>
+      <p:sp>
+        <p:nvSpPr>
+          <p:cNvPr id="37" name="Isosceles Triangle 36">
+            <a:extLst>
+              <a:ext uri="{FF2B5EF4-FFF2-40B4-BE49-F238E27FC236}">
+                <a16:creationId xmlns:a16="http://schemas.microsoft.com/office/drawing/2014/main" id="{CF9DB563-0F8C-CFFD-5B8B-58E5AB37185D}"/>
+              </a:ext>
+            </a:extLst>
+          </p:cNvPr>
+          <p:cNvSpPr/>
+          <p:nvPr/>
+        </p:nvSpPr>
+        <p:spPr>
+          <a:xfrm rot="8337143">
+            <a:off x="7420073" y="4820440"/>
             <a:ext cx="125507" cy="79285"/>
           </a:xfrm>
           <a:prstGeom prst="triangle">
@@ -4636,306 +4901,140 @@
       </p:sp>
       <p:sp>
         <p:nvSpPr>
-          <p:cNvPr id="29" name="TextBox 28">
-            <a:extLst>
-              <a:ext uri="{FF2B5EF4-FFF2-40B4-BE49-F238E27FC236}">
-                <a16:creationId xmlns:a16="http://schemas.microsoft.com/office/drawing/2014/main" id="{E5A9941C-40F1-4506-AC5A-F300C1BB6007}"/>
-              </a:ext>
-            </a:extLst>
-          </p:cNvPr>
-          <p:cNvSpPr txBox="1"/>
+          <p:cNvPr id="40" name="Oval 39">
+            <a:extLst>
+              <a:ext uri="{FF2B5EF4-FFF2-40B4-BE49-F238E27FC236}">
+                <a16:creationId xmlns:a16="http://schemas.microsoft.com/office/drawing/2014/main" id="{8321171E-ADDA-F990-0E86-9E3F7825BC1A}"/>
+              </a:ext>
+            </a:extLst>
+          </p:cNvPr>
+          <p:cNvSpPr/>
           <p:nvPr/>
         </p:nvSpPr>
         <p:spPr>
           <a:xfrm>
-            <a:off x="1757135" y="3647180"/>
-            <a:ext cx="1225296" cy="307777"/>
-          </a:xfrm>
-          <a:prstGeom prst="rect">
+            <a:off x="7466186" y="4974513"/>
+            <a:ext cx="180000" cy="180000"/>
+          </a:xfrm>
+          <a:prstGeom prst="ellipse">
             <a:avLst/>
           </a:prstGeom>
-          <a:noFill/>
-        </p:spPr>
-        <p:txBody>
-          <a:bodyPr wrap="square" rtlCol="0">
-            <a:spAutoFit/>
-          </a:bodyPr>
+          <a:solidFill>
+            <a:schemeClr val="bg2">
+              <a:lumMod val="50000"/>
+            </a:schemeClr>
+          </a:solidFill>
+          <a:ln>
+            <a:solidFill>
+              <a:schemeClr val="tx1"/>
+            </a:solidFill>
+          </a:ln>
+        </p:spPr>
+        <p:style>
+          <a:lnRef idx="2">
+            <a:schemeClr val="accent1">
+              <a:shade val="50000"/>
+            </a:schemeClr>
+          </a:lnRef>
+          <a:fillRef idx="1">
+            <a:schemeClr val="accent1"/>
+          </a:fillRef>
+          <a:effectRef idx="0">
+            <a:schemeClr val="accent1"/>
+          </a:effectRef>
+          <a:fontRef idx="minor">
+            <a:schemeClr val="lt1"/>
+          </a:fontRef>
+        </p:style>
+        <p:txBody>
+          <a:bodyPr rtlCol="0" anchor="ctr"/>
           <a:lstStyle/>
           <a:p>
             <a:pPr algn="ctr"/>
-            <a:r>
-              <a:rPr lang="en-GB" sz="1400" i="1" dirty="0">
-                <a:latin typeface="Arial" panose="020B0604020202020204" pitchFamily="34" charset="0"/>
-                <a:cs typeface="Arial" panose="020B0604020202020204" pitchFamily="34" charset="0"/>
-              </a:rPr>
-              <a:t>gravity</a:t>
-            </a:r>
-          </a:p>
-        </p:txBody>
-      </p:sp>
-      <p:sp>
-        <p:nvSpPr>
-          <p:cNvPr id="30" name="TextBox 29">
-            <a:extLst>
-              <a:ext uri="{FF2B5EF4-FFF2-40B4-BE49-F238E27FC236}">
-                <a16:creationId xmlns:a16="http://schemas.microsoft.com/office/drawing/2014/main" id="{1ED53834-1936-493C-B780-C0966C578512}"/>
-              </a:ext>
-            </a:extLst>
-          </p:cNvPr>
-          <p:cNvSpPr txBox="1"/>
+            <a:endParaRPr lang="en-GB" dirty="0"/>
+          </a:p>
+        </p:txBody>
+      </p:sp>
+      <p:sp>
+        <p:nvSpPr>
+          <p:cNvPr id="41" name="Oval 40">
+            <a:extLst>
+              <a:ext uri="{FF2B5EF4-FFF2-40B4-BE49-F238E27FC236}">
+                <a16:creationId xmlns:a16="http://schemas.microsoft.com/office/drawing/2014/main" id="{393702B7-6975-D3FE-8694-E1E7F46372FF}"/>
+              </a:ext>
+            </a:extLst>
+          </p:cNvPr>
+          <p:cNvSpPr/>
           <p:nvPr/>
         </p:nvSpPr>
         <p:spPr>
           <a:xfrm>
-            <a:off x="2932314" y="4270533"/>
-            <a:ext cx="1225296" cy="307777"/>
-          </a:xfrm>
-          <a:prstGeom prst="rect">
+            <a:off x="8947567" y="4975779"/>
+            <a:ext cx="180000" cy="180000"/>
+          </a:xfrm>
+          <a:prstGeom prst="ellipse">
             <a:avLst/>
           </a:prstGeom>
-          <a:noFill/>
-        </p:spPr>
-        <p:txBody>
-          <a:bodyPr wrap="square" rtlCol="0">
-            <a:spAutoFit/>
-          </a:bodyPr>
-          <a:lstStyle/>
-          <a:p>
-            <a:pPr algn="ctr"/>
-            <a:r>
-              <a:rPr lang="en-GB" sz="1400" i="1" dirty="0">
-                <a:latin typeface="Arial" panose="020B0604020202020204" pitchFamily="34" charset="0"/>
-                <a:cs typeface="Arial" panose="020B0604020202020204" pitchFamily="34" charset="0"/>
-              </a:rPr>
-              <a:t>ants</a:t>
-            </a:r>
-          </a:p>
-        </p:txBody>
-      </p:sp>
-      <p:sp>
-        <p:nvSpPr>
-          <p:cNvPr id="31" name="TextBox 30">
-            <a:extLst>
-              <a:ext uri="{FF2B5EF4-FFF2-40B4-BE49-F238E27FC236}">
-                <a16:creationId xmlns:a16="http://schemas.microsoft.com/office/drawing/2014/main" id="{F072D4DD-79E2-49C7-8C61-1EC12571B722}"/>
-              </a:ext>
-            </a:extLst>
-          </p:cNvPr>
-          <p:cNvSpPr txBox="1"/>
-          <p:nvPr/>
-        </p:nvSpPr>
-        <p:spPr>
-          <a:xfrm>
-            <a:off x="6334508" y="4278292"/>
-            <a:ext cx="1225296" cy="307777"/>
-          </a:xfrm>
-          <a:prstGeom prst="rect">
-            <a:avLst/>
-          </a:prstGeom>
-          <a:noFill/>
-        </p:spPr>
-        <p:txBody>
-          <a:bodyPr wrap="square" rtlCol="0">
-            <a:spAutoFit/>
-          </a:bodyPr>
-          <a:lstStyle/>
-          <a:p>
-            <a:pPr algn="ctr"/>
-            <a:r>
-              <a:rPr lang="en-GB" sz="1400" i="1" dirty="0">
-                <a:latin typeface="Arial" panose="020B0604020202020204" pitchFamily="34" charset="0"/>
-                <a:cs typeface="Arial" panose="020B0604020202020204" pitchFamily="34" charset="0"/>
-              </a:rPr>
-              <a:t>rodents</a:t>
-            </a:r>
-          </a:p>
-        </p:txBody>
-      </p:sp>
-      <p:sp>
-        <p:nvSpPr>
-          <p:cNvPr id="32" name="TextBox 31">
-            <a:extLst>
-              <a:ext uri="{FF2B5EF4-FFF2-40B4-BE49-F238E27FC236}">
-                <a16:creationId xmlns:a16="http://schemas.microsoft.com/office/drawing/2014/main" id="{68B8FFBA-7F1A-4FA7-BAB2-F424215950C8}"/>
-              </a:ext>
-            </a:extLst>
-          </p:cNvPr>
-          <p:cNvSpPr txBox="1"/>
-          <p:nvPr/>
-        </p:nvSpPr>
-        <p:spPr>
-          <a:xfrm>
-            <a:off x="7857256" y="4391690"/>
-            <a:ext cx="1225296" cy="307777"/>
-          </a:xfrm>
-          <a:prstGeom prst="rect">
-            <a:avLst/>
-          </a:prstGeom>
-          <a:noFill/>
-        </p:spPr>
-        <p:txBody>
-          <a:bodyPr wrap="square" rtlCol="0">
-            <a:spAutoFit/>
-          </a:bodyPr>
-          <a:lstStyle/>
-          <a:p>
-            <a:pPr algn="ctr"/>
-            <a:r>
-              <a:rPr lang="en-GB" sz="1400" i="1" dirty="0">
-                <a:latin typeface="Arial" panose="020B0604020202020204" pitchFamily="34" charset="0"/>
-                <a:cs typeface="Arial" panose="020B0604020202020204" pitchFamily="34" charset="0"/>
-              </a:rPr>
-              <a:t>ants</a:t>
-            </a:r>
-          </a:p>
-        </p:txBody>
-      </p:sp>
-      <p:sp>
-        <p:nvSpPr>
-          <p:cNvPr id="33" name="TextBox 32">
-            <a:extLst>
-              <a:ext uri="{FF2B5EF4-FFF2-40B4-BE49-F238E27FC236}">
-                <a16:creationId xmlns:a16="http://schemas.microsoft.com/office/drawing/2014/main" id="{54E322F4-D058-452B-B3B6-C6C756C6B879}"/>
-              </a:ext>
-            </a:extLst>
-          </p:cNvPr>
-          <p:cNvSpPr txBox="1"/>
-          <p:nvPr/>
-        </p:nvSpPr>
-        <p:spPr>
-          <a:xfrm>
-            <a:off x="5183534" y="2961278"/>
-            <a:ext cx="1419801" cy="307777"/>
-          </a:xfrm>
-          <a:prstGeom prst="rect">
-            <a:avLst/>
-          </a:prstGeom>
-          <a:noFill/>
-        </p:spPr>
-        <p:txBody>
-          <a:bodyPr wrap="square" rtlCol="0">
-            <a:spAutoFit/>
-          </a:bodyPr>
-          <a:lstStyle/>
-          <a:p>
-            <a:pPr algn="ctr"/>
-            <a:r>
-              <a:rPr lang="en-GB" sz="1400" i="1" dirty="0">
-                <a:latin typeface="Arial" panose="020B0604020202020204" pitchFamily="34" charset="0"/>
-                <a:cs typeface="Arial" panose="020B0604020202020204" pitchFamily="34" charset="0"/>
-              </a:rPr>
-              <a:t>gravity + wind</a:t>
-            </a:r>
-          </a:p>
-        </p:txBody>
-      </p:sp>
-      <p:sp>
-        <p:nvSpPr>
-          <p:cNvPr id="34" name="TextBox 33">
-            <a:extLst>
-              <a:ext uri="{FF2B5EF4-FFF2-40B4-BE49-F238E27FC236}">
-                <a16:creationId xmlns:a16="http://schemas.microsoft.com/office/drawing/2014/main" id="{B43A5E82-1E74-4EFE-A725-84D6CEC48807}"/>
-              </a:ext>
-            </a:extLst>
-          </p:cNvPr>
-          <p:cNvSpPr txBox="1"/>
-          <p:nvPr/>
-        </p:nvSpPr>
-        <p:spPr>
-          <a:xfrm>
-            <a:off x="6934785" y="2556057"/>
-            <a:ext cx="1225296" cy="307777"/>
-          </a:xfrm>
-          <a:prstGeom prst="rect">
-            <a:avLst/>
-          </a:prstGeom>
-          <a:noFill/>
-        </p:spPr>
-        <p:txBody>
-          <a:bodyPr wrap="square" rtlCol="0">
-            <a:spAutoFit/>
-          </a:bodyPr>
-          <a:lstStyle/>
-          <a:p>
-            <a:pPr algn="ctr"/>
-            <a:r>
-              <a:rPr lang="en-GB" sz="1400" i="1" dirty="0">
-                <a:latin typeface="Arial" panose="020B0604020202020204" pitchFamily="34" charset="0"/>
-                <a:cs typeface="Arial" panose="020B0604020202020204" pitchFamily="34" charset="0"/>
-              </a:rPr>
-              <a:t>birds</a:t>
-            </a:r>
-          </a:p>
-        </p:txBody>
-      </p:sp>
-      <p:cxnSp>
-        <p:nvCxnSpPr>
-          <p:cNvPr id="36" name="Straight Connector 35">
-            <a:extLst>
-              <a:ext uri="{FF2B5EF4-FFF2-40B4-BE49-F238E27FC236}">
-                <a16:creationId xmlns:a16="http://schemas.microsoft.com/office/drawing/2014/main" id="{120E6E6B-59DA-48A8-8503-51BDFE5AAA63}"/>
-              </a:ext>
-            </a:extLst>
-          </p:cNvPr>
-          <p:cNvCxnSpPr>
-            <a:cxnSpLocks/>
-          </p:cNvCxnSpPr>
-          <p:nvPr/>
-        </p:nvCxnSpPr>
-        <p:spPr>
-          <a:xfrm>
-            <a:off x="10005186" y="1633143"/>
-            <a:ext cx="492522" cy="0"/>
-          </a:xfrm>
-          <a:prstGeom prst="line">
-            <a:avLst/>
-          </a:prstGeom>
-          <a:ln w="15875">
+          <a:solidFill>
+            <a:schemeClr val="bg2">
+              <a:lumMod val="50000"/>
+            </a:schemeClr>
+          </a:solidFill>
+          <a:ln>
             <a:solidFill>
-              <a:schemeClr val="bg2">
-                <a:lumMod val="50000"/>
-              </a:schemeClr>
+              <a:schemeClr val="tx1"/>
             </a:solidFill>
           </a:ln>
         </p:spPr>
         <p:style>
-          <a:lnRef idx="1">
-            <a:schemeClr val="accent1"/>
+          <a:lnRef idx="2">
+            <a:schemeClr val="accent1">
+              <a:shade val="50000"/>
+            </a:schemeClr>
           </a:lnRef>
-          <a:fillRef idx="0">
+          <a:fillRef idx="1">
             <a:schemeClr val="accent1"/>
           </a:fillRef>
           <a:effectRef idx="0">
             <a:schemeClr val="accent1"/>
           </a:effectRef>
           <a:fontRef idx="minor">
-            <a:schemeClr val="tx1"/>
+            <a:schemeClr val="lt1"/>
           </a:fontRef>
         </p:style>
-      </p:cxnSp>
-      <p:cxnSp>
-        <p:nvCxnSpPr>
-          <p:cNvPr id="38" name="Straight Connector 37">
-            <a:extLst>
-              <a:ext uri="{FF2B5EF4-FFF2-40B4-BE49-F238E27FC236}">
-                <a16:creationId xmlns:a16="http://schemas.microsoft.com/office/drawing/2014/main" id="{D2811624-EF5D-485D-9615-44DBF0F5C24B}"/>
-              </a:ext>
-            </a:extLst>
-          </p:cNvPr>
-          <p:cNvCxnSpPr>
-            <a:cxnSpLocks/>
-          </p:cNvCxnSpPr>
+        <p:txBody>
+          <a:bodyPr rtlCol="0" anchor="ctr"/>
+          <a:lstStyle/>
+          <a:p>
+            <a:pPr algn="ctr"/>
+            <a:endParaRPr lang="en-GB" dirty="0"/>
+          </a:p>
+        </p:txBody>
+      </p:sp>
+      <p:sp>
+        <p:nvSpPr>
+          <p:cNvPr id="43" name="Arc 42">
+            <a:extLst>
+              <a:ext uri="{FF2B5EF4-FFF2-40B4-BE49-F238E27FC236}">
+                <a16:creationId xmlns:a16="http://schemas.microsoft.com/office/drawing/2014/main" id="{8F073588-DB53-1127-6059-8E319EF33AA9}"/>
+              </a:ext>
+            </a:extLst>
+          </p:cNvPr>
+          <p:cNvSpPr/>
           <p:nvPr/>
-        </p:nvCxnSpPr>
-        <p:spPr>
-          <a:xfrm>
-            <a:off x="10005186" y="1831263"/>
-            <a:ext cx="492522" cy="0"/>
-          </a:xfrm>
-          <a:prstGeom prst="line">
-            <a:avLst/>
+        </p:nvSpPr>
+        <p:spPr>
+          <a:xfrm rot="18998032">
+            <a:off x="8896292" y="4693987"/>
+            <a:ext cx="1401725" cy="1314552"/>
+          </a:xfrm>
+          <a:prstGeom prst="arc">
+            <a:avLst>
+              <a:gd name="adj1" fmla="val 15945108"/>
+              <a:gd name="adj2" fmla="val 0"/>
+            </a:avLst>
           </a:prstGeom>
-          <a:ln w="15875">
+          <a:ln w="12700">
             <a:solidFill>
               <a:schemeClr val="bg2">
                 <a:lumMod val="50000"/>
@@ -4958,13 +5057,135 @@
             <a:schemeClr val="tx1"/>
           </a:fontRef>
         </p:style>
-      </p:cxnSp>
-      <p:sp>
-        <p:nvSpPr>
-          <p:cNvPr id="39" name="TextBox 38">
-            <a:extLst>
-              <a:ext uri="{FF2B5EF4-FFF2-40B4-BE49-F238E27FC236}">
-                <a16:creationId xmlns:a16="http://schemas.microsoft.com/office/drawing/2014/main" id="{182ED36F-4133-4949-A2ED-5630D7D5F20F}"/>
+        <p:txBody>
+          <a:bodyPr rtlCol="0" anchor="ctr"/>
+          <a:lstStyle/>
+          <a:p>
+            <a:pPr algn="ctr"/>
+            <a:endParaRPr lang="en-GB" dirty="0"/>
+          </a:p>
+        </p:txBody>
+      </p:sp>
+      <p:sp>
+        <p:nvSpPr>
+          <p:cNvPr id="44" name="Oval 43">
+            <a:extLst>
+              <a:ext uri="{FF2B5EF4-FFF2-40B4-BE49-F238E27FC236}">
+                <a16:creationId xmlns:a16="http://schemas.microsoft.com/office/drawing/2014/main" id="{B3C97A78-BDE0-3722-B9BE-9397A2FAB509}"/>
+              </a:ext>
+            </a:extLst>
+          </p:cNvPr>
+          <p:cNvSpPr/>
+          <p:nvPr/>
+        </p:nvSpPr>
+        <p:spPr>
+          <a:xfrm>
+            <a:off x="10078613" y="4975779"/>
+            <a:ext cx="180000" cy="180000"/>
+          </a:xfrm>
+          <a:prstGeom prst="ellipse">
+            <a:avLst/>
+          </a:prstGeom>
+          <a:solidFill>
+            <a:schemeClr val="bg2">
+              <a:lumMod val="50000"/>
+            </a:schemeClr>
+          </a:solidFill>
+          <a:ln>
+            <a:solidFill>
+              <a:schemeClr val="tx1"/>
+            </a:solidFill>
+          </a:ln>
+        </p:spPr>
+        <p:style>
+          <a:lnRef idx="2">
+            <a:schemeClr val="accent1">
+              <a:shade val="50000"/>
+            </a:schemeClr>
+          </a:lnRef>
+          <a:fillRef idx="1">
+            <a:schemeClr val="accent1"/>
+          </a:fillRef>
+          <a:effectRef idx="0">
+            <a:schemeClr val="accent1"/>
+          </a:effectRef>
+          <a:fontRef idx="minor">
+            <a:schemeClr val="lt1"/>
+          </a:fontRef>
+        </p:style>
+        <p:txBody>
+          <a:bodyPr rtlCol="0" anchor="ctr"/>
+          <a:lstStyle/>
+          <a:p>
+            <a:pPr algn="ctr"/>
+            <a:endParaRPr lang="en-GB" dirty="0"/>
+          </a:p>
+        </p:txBody>
+      </p:sp>
+      <p:sp>
+        <p:nvSpPr>
+          <p:cNvPr id="45" name="Isosceles Triangle 44">
+            <a:extLst>
+              <a:ext uri="{FF2B5EF4-FFF2-40B4-BE49-F238E27FC236}">
+                <a16:creationId xmlns:a16="http://schemas.microsoft.com/office/drawing/2014/main" id="{D5237022-730C-A48C-A655-1C315434EC02}"/>
+              </a:ext>
+            </a:extLst>
+          </p:cNvPr>
+          <p:cNvSpPr/>
+          <p:nvPr/>
+        </p:nvSpPr>
+        <p:spPr>
+          <a:xfrm rot="8337143">
+            <a:off x="10034466" y="4820440"/>
+            <a:ext cx="125507" cy="79285"/>
+          </a:xfrm>
+          <a:prstGeom prst="triangle">
+            <a:avLst/>
+          </a:prstGeom>
+          <a:solidFill>
+            <a:schemeClr val="bg2">
+              <a:lumMod val="50000"/>
+            </a:schemeClr>
+          </a:solidFill>
+          <a:ln>
+            <a:solidFill>
+              <a:schemeClr val="bg2">
+                <a:lumMod val="50000"/>
+              </a:schemeClr>
+            </a:solidFill>
+          </a:ln>
+        </p:spPr>
+        <p:style>
+          <a:lnRef idx="2">
+            <a:schemeClr val="accent1">
+              <a:shade val="50000"/>
+            </a:schemeClr>
+          </a:lnRef>
+          <a:fillRef idx="1">
+            <a:schemeClr val="accent1"/>
+          </a:fillRef>
+          <a:effectRef idx="0">
+            <a:schemeClr val="accent1"/>
+          </a:effectRef>
+          <a:fontRef idx="minor">
+            <a:schemeClr val="lt1"/>
+          </a:fontRef>
+        </p:style>
+        <p:txBody>
+          <a:bodyPr rtlCol="0" anchor="ctr"/>
+          <a:lstStyle/>
+          <a:p>
+            <a:pPr algn="ctr"/>
+            <a:endParaRPr lang="en-GB" dirty="0"/>
+          </a:p>
+        </p:txBody>
+      </p:sp>
+      <p:sp>
+        <p:nvSpPr>
+          <p:cNvPr id="46" name="TextBox 45">
+            <a:extLst>
+              <a:ext uri="{FF2B5EF4-FFF2-40B4-BE49-F238E27FC236}">
+                <a16:creationId xmlns:a16="http://schemas.microsoft.com/office/drawing/2014/main" id="{4ACD0794-93A8-7908-2198-613E80729508}"/>
               </a:ext>
             </a:extLst>
           </p:cNvPr>
@@ -4973,8 +5194,8 @@
         </p:nvSpPr>
         <p:spPr>
           <a:xfrm>
-            <a:off x="7338358" y="1496261"/>
-            <a:ext cx="2655078" cy="461665"/>
+            <a:off x="9045671" y="4112943"/>
+            <a:ext cx="1090565" cy="523220"/>
           </a:xfrm>
           <a:prstGeom prst="rect">
             <a:avLst/>
@@ -4987,23 +5208,13 @@
           </a:bodyPr>
           <a:lstStyle/>
           <a:p>
-            <a:pPr algn="r"/>
-            <a:r>
-              <a:rPr lang="en-GB" sz="1200" dirty="0">
+            <a:pPr algn="ctr"/>
+            <a:r>
+              <a:rPr lang="en-GB" sz="1400" i="1" dirty="0">
                 <a:latin typeface="Arial" panose="020B0604020202020204" pitchFamily="34" charset="0"/>
                 <a:cs typeface="Arial" panose="020B0604020202020204" pitchFamily="34" charset="0"/>
               </a:rPr>
-              <a:t>Primary dispersal</a:t>
-            </a:r>
-          </a:p>
-          <a:p>
-            <a:pPr algn="r"/>
-            <a:r>
-              <a:rPr lang="en-GB" sz="1200" dirty="0">
-                <a:latin typeface="Arial" panose="020B0604020202020204" pitchFamily="34" charset="0"/>
-                <a:cs typeface="Arial" panose="020B0604020202020204" pitchFamily="34" charset="0"/>
-              </a:rPr>
-              <a:t>Secondary or higher-order dispersal</a:t>
+              <a:t>ants, rodents</a:t>
             </a:r>
           </a:p>
         </p:txBody>
